--- a/eu/ProgrammingLessons/intermediate/Logic.pptx
+++ b/eu/ProgrammingLessons/intermediate/Logic.pptx
@@ -219,7 +219,7 @@
           <a:p>
             <a:fld id="{E354B44E-40A3-0E46-B16A-9BF1250A248B}" type="datetimeFigureOut">
               <a:rPr lang="en-US" smtClean="0"/>
-              <a:t>7/4/2018</a:t>
+              <a:t>9/11/22</a:t>
             </a:fld>
             <a:endParaRPr lang="en-US"/>
           </a:p>
@@ -285,7 +285,7 @@
           <a:p>
             <a:fld id="{ACDF1604-CF25-2840-A4A3-96CDE3604995}" type="slidenum">
               <a:rPr lang="en-US" smtClean="0"/>
-              <a:t>‹Nº›</a:t>
+              <a:t>‹#›</a:t>
             </a:fld>
             <a:endParaRPr lang="en-US"/>
           </a:p>
@@ -385,7 +385,7 @@
           <a:p>
             <a:fld id="{C86AD16C-2DB4-6642-BAD4-9ED973A087A0}" type="datetimeFigureOut">
               <a:rPr lang="en-US" smtClean="0"/>
-              <a:t>7/4/2018</a:t>
+              <a:t>9/11/22</a:t>
             </a:fld>
             <a:endParaRPr lang="en-US"/>
           </a:p>
@@ -543,7 +543,7 @@
           <a:p>
             <a:fld id="{1E5BF589-3978-3C45-966B-D7B7A71F2A02}" type="slidenum">
               <a:rPr lang="en-US" smtClean="0"/>
-              <a:t>‹Nº›</a:t>
+              <a:t>‹#›</a:t>
             </a:fld>
             <a:endParaRPr lang="en-US"/>
           </a:p>
@@ -1010,7 +1010,7 @@
           <a:p>
             <a:fld id="{24F7655A-972C-4ADD-A359-CD7138476CD6}" type="datetime1">
               <a:rPr lang="en-US" smtClean="0"/>
-              <a:t>7/4/2018</a:t>
+              <a:t>9/11/22</a:t>
             </a:fld>
             <a:endParaRPr lang="en-US"/>
           </a:p>
@@ -1055,7 +1055,7 @@
           <a:p>
             <a:fld id="{7F5CE407-6216-4202-80E4-A30DC2F709B2}" type="slidenum">
               <a:rPr lang="en-US" smtClean="0"/>
-              <a:t>‹Nº›</a:t>
+              <a:t>‹#›</a:t>
             </a:fld>
             <a:endParaRPr lang="en-US"/>
           </a:p>
@@ -1270,7 +1270,7 @@
           <a:noFill/>
           <a:extLst>
             <a:ext uri="{909E8E84-426E-40dd-AFC4-6F175D3DCCD1}">
-              <a14:hiddenFill xmlns="" xmlns:a14="http://schemas.microsoft.com/office/drawing/2010/main">
+              <a14:hiddenFill xmlns:a14="http://schemas.microsoft.com/office/drawing/2010/main" xmlns="">
                 <a:solidFill>
                   <a:srgbClr val="FFFFFF"/>
                 </a:solidFill>
@@ -1401,7 +1401,7 @@
           <a:p>
             <a:fld id="{AB401CF3-3F56-4425-B34E-9919B97CE9C3}" type="datetime1">
               <a:rPr lang="en-US" smtClean="0"/>
-              <a:t>7/4/2018</a:t>
+              <a:t>9/11/22</a:t>
             </a:fld>
             <a:endParaRPr lang="en-US"/>
           </a:p>
@@ -1446,7 +1446,7 @@
           <a:p>
             <a:fld id="{4382A7F7-08BF-4252-8141-63FB96055BBB}" type="slidenum">
               <a:rPr lang="en-US" smtClean="0"/>
-              <a:t>‹Nº›</a:t>
+              <a:t>‹#›</a:t>
             </a:fld>
             <a:endParaRPr lang="en-US"/>
           </a:p>
@@ -1660,7 +1660,7 @@
           <a:p>
             <a:fld id="{C202EADC-2CF8-4A28-89FA-8B94D7EB09F2}" type="datetime1">
               <a:rPr lang="en-US" smtClean="0"/>
-              <a:t>7/4/2018</a:t>
+              <a:t>9/11/22</a:t>
             </a:fld>
             <a:endParaRPr lang="en-US"/>
           </a:p>
@@ -1705,7 +1705,7 @@
           <a:p>
             <a:fld id="{4382A7F7-08BF-4252-8141-63FB96055BBB}" type="slidenum">
               <a:rPr lang="en-US" smtClean="0"/>
-              <a:t>‹Nº›</a:t>
+              <a:t>‹#›</a:t>
             </a:fld>
             <a:endParaRPr lang="en-US"/>
           </a:p>
@@ -1914,7 +1914,7 @@
           <a:p>
             <a:fld id="{D279D490-95C3-422C-8A01-E76F93352806}" type="datetime1">
               <a:rPr lang="en-US" smtClean="0"/>
-              <a:t>7/4/2018</a:t>
+              <a:t>9/11/22</a:t>
             </a:fld>
             <a:endParaRPr lang="en-US"/>
           </a:p>
@@ -1959,7 +1959,7 @@
           <a:p>
             <a:fld id="{7F5CE407-6216-4202-80E4-A30DC2F709B2}" type="slidenum">
               <a:rPr lang="en-US" smtClean="0"/>
-              <a:t>‹Nº›</a:t>
+              <a:t>‹#›</a:t>
             </a:fld>
             <a:endParaRPr lang="en-US"/>
           </a:p>
@@ -2359,7 +2359,7 @@
           <a:p>
             <a:fld id="{04719108-FA28-497E-8ACA-D412A75292BC}" type="datetime1">
               <a:rPr lang="en-US" smtClean="0"/>
-              <a:t>7/4/2018</a:t>
+              <a:t>9/11/22</a:t>
             </a:fld>
             <a:endParaRPr lang="en-US"/>
           </a:p>
@@ -2404,7 +2404,7 @@
           <a:p>
             <a:fld id="{4382A7F7-08BF-4252-8141-63FB96055BBB}" type="slidenum">
               <a:rPr lang="en-US" smtClean="0"/>
-              <a:t>‹Nº›</a:t>
+              <a:t>‹#›</a:t>
             </a:fld>
             <a:endParaRPr lang="en-US"/>
           </a:p>
@@ -2705,7 +2705,7 @@
           <a:p>
             <a:fld id="{AE3C8ECE-B4B3-4AD4-8BD3-C3C6842438DA}" type="datetime1">
               <a:rPr lang="en-US" smtClean="0"/>
-              <a:t>7/4/2018</a:t>
+              <a:t>9/11/22</a:t>
             </a:fld>
             <a:endParaRPr lang="en-US"/>
           </a:p>
@@ -2750,7 +2750,7 @@
           <a:p>
             <a:fld id="{162F1D00-BD13-4404-86B0-79703945A0A7}" type="slidenum">
               <a:rPr lang="en-US" smtClean="0"/>
-              <a:t>‹Nº›</a:t>
+              <a:t>‹#›</a:t>
             </a:fld>
             <a:endParaRPr lang="en-US"/>
           </a:p>
@@ -2983,7 +2983,7 @@
           <a:p>
             <a:fld id="{84735937-94A7-4549-9080-55C34ED5875E}" type="datetime1">
               <a:rPr lang="en-US" smtClean="0"/>
-              <a:t>7/4/2018</a:t>
+              <a:t>9/11/22</a:t>
             </a:fld>
             <a:endParaRPr lang="en-US"/>
           </a:p>
@@ -3029,7 +3029,7 @@
           <a:p>
             <a:fld id="{4382A7F7-08BF-4252-8141-63FB96055BBB}" type="slidenum">
               <a:rPr lang="en-US" smtClean="0"/>
-              <a:t>‹Nº›</a:t>
+              <a:t>‹#›</a:t>
             </a:fld>
             <a:endParaRPr lang="en-US"/>
           </a:p>
@@ -3366,7 +3366,7 @@
           <a:p>
             <a:fld id="{11A79D38-E997-44FC-AEF0-3109BC63E118}" type="datetime1">
               <a:rPr lang="en-US" smtClean="0"/>
-              <a:t>7/4/2018</a:t>
+              <a:t>9/11/22</a:t>
             </a:fld>
             <a:endParaRPr lang="en-US"/>
           </a:p>
@@ -3411,7 +3411,7 @@
           <a:p>
             <a:fld id="{4382A7F7-08BF-4252-8141-63FB96055BBB}" type="slidenum">
               <a:rPr lang="en-US" smtClean="0"/>
-              <a:t>‹Nº›</a:t>
+              <a:t>‹#›</a:t>
             </a:fld>
             <a:endParaRPr lang="en-US"/>
           </a:p>
@@ -3487,7 +3487,7 @@
           <a:p>
             <a:fld id="{DC750897-DA55-4428-99C0-109204D8D2ED}" type="datetime1">
               <a:rPr lang="en-US" smtClean="0"/>
-              <a:t>7/4/2018</a:t>
+              <a:t>9/11/22</a:t>
             </a:fld>
             <a:endParaRPr lang="en-US"/>
           </a:p>
@@ -3532,7 +3532,7 @@
           <a:p>
             <a:fld id="{4382A7F7-08BF-4252-8141-63FB96055BBB}" type="slidenum">
               <a:rPr lang="en-US" smtClean="0"/>
-              <a:t>‹Nº›</a:t>
+              <a:t>‹#›</a:t>
             </a:fld>
             <a:endParaRPr lang="en-US"/>
           </a:p>
@@ -3661,7 +3661,7 @@
           <a:p>
             <a:fld id="{7EB6BF58-7A0B-49F0-83A0-D73F7E0164C5}" type="datetime1">
               <a:rPr lang="en-US" smtClean="0"/>
-              <a:t>7/4/2018</a:t>
+              <a:t>9/11/22</a:t>
             </a:fld>
             <a:endParaRPr lang="en-US"/>
           </a:p>
@@ -3714,7 +3714,7 @@
           <a:p>
             <a:fld id="{4382A7F7-08BF-4252-8141-63FB96055BBB}" type="slidenum">
               <a:rPr lang="en-US" smtClean="0"/>
-              <a:t>‹Nº›</a:t>
+              <a:t>‹#›</a:t>
             </a:fld>
             <a:endParaRPr lang="en-US"/>
           </a:p>
@@ -4018,7 +4018,7 @@
           <a:p>
             <a:fld id="{A6A92D04-4031-4298-8D8C-2E3F3F6ACBE9}" type="datetime1">
               <a:rPr lang="en-US" smtClean="0"/>
-              <a:t>7/4/2018</a:t>
+              <a:t>9/11/22</a:t>
             </a:fld>
             <a:endParaRPr lang="en-US"/>
           </a:p>
@@ -4084,7 +4084,7 @@
           <a:p>
             <a:fld id="{7F5CE407-6216-4202-80E4-A30DC2F709B2}" type="slidenum">
               <a:rPr lang="en-US" smtClean="0"/>
-              <a:t>‹Nº›</a:t>
+              <a:t>‹#›</a:t>
             </a:fld>
             <a:endParaRPr lang="en-US"/>
           </a:p>
@@ -4212,7 +4212,7 @@
           <a:p>
             <a:fld id="{B95878DF-05A2-4DBC-A82F-5F1493A6F47F}" type="datetime1">
               <a:rPr lang="en-US" smtClean="0"/>
-              <a:t>7/4/2018</a:t>
+              <a:t>9/11/22</a:t>
             </a:fld>
             <a:endParaRPr lang="en-US"/>
           </a:p>
@@ -4257,7 +4257,7 @@
           <a:p>
             <a:fld id="{4382A7F7-08BF-4252-8141-63FB96055BBB}" type="slidenum">
               <a:rPr lang="en-US" smtClean="0"/>
-              <a:t>‹Nº›</a:t>
+              <a:t>‹#›</a:t>
             </a:fld>
             <a:endParaRPr lang="en-US"/>
           </a:p>
@@ -4576,7 +4576,7 @@
           <a:p>
             <a:fld id="{72637B0E-E90C-4C6F-93A3-7EEF9F4FA8CA}" type="datetime1">
               <a:rPr lang="en-US" smtClean="0"/>
-              <a:t>7/4/2018</a:t>
+              <a:t>9/11/22</a:t>
             </a:fld>
             <a:endParaRPr lang="en-US"/>
           </a:p>
@@ -4621,7 +4621,7 @@
           <a:p>
             <a:fld id="{4382A7F7-08BF-4252-8141-63FB96055BBB}" type="slidenum">
               <a:rPr lang="en-US" smtClean="0"/>
-              <a:t>‹Nº›</a:t>
+              <a:t>‹#›</a:t>
             </a:fld>
             <a:endParaRPr lang="en-US"/>
           </a:p>
@@ -4749,7 +4749,7 @@
           <a:p>
             <a:fld id="{263D17F2-809B-43E4-90CE-AA8EF027F020}" type="datetime1">
               <a:rPr lang="en-US" smtClean="0"/>
-              <a:t>7/4/2018</a:t>
+              <a:t>9/11/22</a:t>
             </a:fld>
             <a:endParaRPr lang="en-US"/>
           </a:p>
@@ -4794,7 +4794,7 @@
           <a:p>
             <a:fld id="{4382A7F7-08BF-4252-8141-63FB96055BBB}" type="slidenum">
               <a:rPr lang="en-US" smtClean="0"/>
-              <a:t>‹Nº›</a:t>
+              <a:t>‹#›</a:t>
             </a:fld>
             <a:endParaRPr lang="en-US"/>
           </a:p>
@@ -5008,7 +5008,7 @@
           <a:p>
             <a:fld id="{062E397D-DEE5-40D5-BA70-CABE086C39F8}" type="datetime1">
               <a:rPr lang="en-US" smtClean="0"/>
-              <a:t>7/4/2018</a:t>
+              <a:t>9/11/22</a:t>
             </a:fld>
             <a:endParaRPr lang="en-US"/>
           </a:p>
@@ -5053,7 +5053,7 @@
           <a:p>
             <a:fld id="{4382A7F7-08BF-4252-8141-63FB96055BBB}" type="slidenum">
               <a:rPr lang="en-US" smtClean="0"/>
-              <a:t>‹Nº›</a:t>
+              <a:t>‹#›</a:t>
             </a:fld>
             <a:endParaRPr lang="en-US"/>
           </a:p>
@@ -5354,7 +5354,7 @@
           <a:p>
             <a:fld id="{31A3AF3F-1AF1-4B80-A8C8-CEC197C7ED23}" type="datetime1">
               <a:rPr lang="en-US" smtClean="0"/>
-              <a:t>7/4/2018</a:t>
+              <a:t>9/11/22</a:t>
             </a:fld>
             <a:endParaRPr lang="en-US"/>
           </a:p>
@@ -5399,7 +5399,7 @@
           <a:p>
             <a:fld id="{162F1D00-BD13-4404-86B0-79703945A0A7}" type="slidenum">
               <a:rPr lang="en-US" smtClean="0"/>
-              <a:t>‹Nº›</a:t>
+              <a:t>‹#›</a:t>
             </a:fld>
             <a:endParaRPr lang="en-US"/>
           </a:p>
@@ -5632,7 +5632,7 @@
           <a:p>
             <a:fld id="{7A7D9FBE-0174-419E-86C8-BEDDDE758562}" type="datetime1">
               <a:rPr lang="en-US" smtClean="0"/>
-              <a:t>7/4/2018</a:t>
+              <a:t>9/11/22</a:t>
             </a:fld>
             <a:endParaRPr lang="en-US"/>
           </a:p>
@@ -5678,7 +5678,7 @@
           <a:p>
             <a:fld id="{4382A7F7-08BF-4252-8141-63FB96055BBB}" type="slidenum">
               <a:rPr lang="en-US" smtClean="0"/>
-              <a:t>‹Nº›</a:t>
+              <a:t>‹#›</a:t>
             </a:fld>
             <a:endParaRPr lang="en-US"/>
           </a:p>
@@ -6015,7 +6015,7 @@
           <a:p>
             <a:fld id="{37392CB2-3720-4F04-A199-B8532FC11122}" type="datetime1">
               <a:rPr lang="en-US" smtClean="0"/>
-              <a:t>7/4/2018</a:t>
+              <a:t>9/11/22</a:t>
             </a:fld>
             <a:endParaRPr lang="en-US"/>
           </a:p>
@@ -6060,7 +6060,7 @@
           <a:p>
             <a:fld id="{4382A7F7-08BF-4252-8141-63FB96055BBB}" type="slidenum">
               <a:rPr lang="en-US" smtClean="0"/>
-              <a:t>‹Nº›</a:t>
+              <a:t>‹#›</a:t>
             </a:fld>
             <a:endParaRPr lang="en-US"/>
           </a:p>
@@ -6136,7 +6136,7 @@
           <a:p>
             <a:fld id="{84821D85-CF50-4C15-94D8-82D0BE54EF2C}" type="datetime1">
               <a:rPr lang="en-US" smtClean="0"/>
-              <a:t>7/4/2018</a:t>
+              <a:t>9/11/22</a:t>
             </a:fld>
             <a:endParaRPr lang="en-US"/>
           </a:p>
@@ -6181,7 +6181,7 @@
           <a:p>
             <a:fld id="{4382A7F7-08BF-4252-8141-63FB96055BBB}" type="slidenum">
               <a:rPr lang="en-US" smtClean="0"/>
-              <a:t>‹Nº›</a:t>
+              <a:t>‹#›</a:t>
             </a:fld>
             <a:endParaRPr lang="en-US"/>
           </a:p>
@@ -6310,7 +6310,7 @@
           <a:p>
             <a:fld id="{ACFF0871-2B3A-40DD-8B4D-B76A88C04EF4}" type="datetime1">
               <a:rPr lang="en-US" smtClean="0"/>
-              <a:t>7/4/2018</a:t>
+              <a:t>9/11/22</a:t>
             </a:fld>
             <a:endParaRPr lang="en-US"/>
           </a:p>
@@ -6363,7 +6363,7 @@
           <a:p>
             <a:fld id="{4382A7F7-08BF-4252-8141-63FB96055BBB}" type="slidenum">
               <a:rPr lang="en-US" smtClean="0"/>
-              <a:t>‹Nº›</a:t>
+              <a:t>‹#›</a:t>
             </a:fld>
             <a:endParaRPr lang="en-US"/>
           </a:p>
@@ -6667,7 +6667,7 @@
           <a:p>
             <a:fld id="{A52A8922-46DD-4358-BEBD-8031E9C3C1EB}" type="datetime1">
               <a:rPr lang="en-US" smtClean="0"/>
-              <a:t>7/4/2018</a:t>
+              <a:t>9/11/22</a:t>
             </a:fld>
             <a:endParaRPr lang="en-US"/>
           </a:p>
@@ -6733,7 +6733,7 @@
           <a:p>
             <a:fld id="{7F5CE407-6216-4202-80E4-A30DC2F709B2}" type="slidenum">
               <a:rPr lang="en-US" smtClean="0"/>
-              <a:t>‹Nº›</a:t>
+              <a:t>‹#›</a:t>
             </a:fld>
             <a:endParaRPr lang="en-US"/>
           </a:p>
@@ -7052,7 +7052,7 @@
           <a:p>
             <a:fld id="{471DB0FD-9433-4D97-9380-7DCDE467408D}" type="datetime1">
               <a:rPr lang="en-US" smtClean="0"/>
-              <a:t>7/4/2018</a:t>
+              <a:t>9/11/22</a:t>
             </a:fld>
             <a:endParaRPr lang="en-US"/>
           </a:p>
@@ -7097,7 +7097,7 @@
           <a:p>
             <a:fld id="{4382A7F7-08BF-4252-8141-63FB96055BBB}" type="slidenum">
               <a:rPr lang="en-US" smtClean="0"/>
-              <a:t>‹Nº›</a:t>
+              <a:t>‹#›</a:t>
             </a:fld>
             <a:endParaRPr lang="en-US"/>
           </a:p>
@@ -7344,7 +7344,7 @@
           <a:p>
             <a:fld id="{38BE5155-AD86-4629-B7CF-507D9A80118B}" type="datetime1">
               <a:rPr lang="en-US" smtClean="0"/>
-              <a:t>7/4/2018</a:t>
+              <a:t>9/11/22</a:t>
             </a:fld>
             <a:endParaRPr lang="en-US" dirty="0"/>
           </a:p>
@@ -7422,7 +7422,7 @@
           <a:p>
             <a:fld id="{4382A7F7-08BF-4252-8141-63FB96055BBB}" type="slidenum">
               <a:rPr lang="en-US" smtClean="0"/>
-              <a:t>‹Nº›</a:t>
+              <a:t>‹#›</a:t>
             </a:fld>
             <a:endParaRPr lang="en-US"/>
           </a:p>
@@ -8122,7 +8122,7 @@
           <a:p>
             <a:fld id="{67137136-F692-4B11-AD3A-6D0692C552C3}" type="datetime1">
               <a:rPr lang="en-US" smtClean="0"/>
-              <a:t>7/4/2018</a:t>
+              <a:t>9/11/22</a:t>
             </a:fld>
             <a:endParaRPr lang="en-US" dirty="0"/>
           </a:p>
@@ -8200,7 +8200,7 @@
           <a:p>
             <a:fld id="{4382A7F7-08BF-4252-8141-63FB96055BBB}" type="slidenum">
               <a:rPr lang="en-US" smtClean="0"/>
-              <a:t>‹Nº›</a:t>
+              <a:t>‹#›</a:t>
             </a:fld>
             <a:endParaRPr lang="en-US"/>
           </a:p>
@@ -14094,108 +14094,6 @@
             </a:endParaRPr>
           </a:p>
           <a:p>
-            <a:pPr marL="201168" lvl="1" indent="0">
-              <a:buNone/>
-            </a:pPr>
-            <a:r>
-              <a:rPr lang="en-US" dirty="0" err="1">
-                <a:latin typeface="+mj-lt"/>
-              </a:rPr>
-              <a:t>Itzulpena</a:t>
-            </a:r>
-            <a:r>
-              <a:rPr lang="en-US" dirty="0">
-                <a:latin typeface="+mj-lt"/>
-              </a:rPr>
-              <a:t> </a:t>
-            </a:r>
-            <a:r>
-              <a:rPr lang="en-US" dirty="0" err="1">
-                <a:latin typeface="+mj-lt"/>
-              </a:rPr>
-              <a:t>Edurobotic-ek</a:t>
-            </a:r>
-            <a:r>
-              <a:rPr lang="en-US" dirty="0">
-                <a:latin typeface="+mj-lt"/>
-              </a:rPr>
-              <a:t> </a:t>
-            </a:r>
-            <a:r>
-              <a:rPr lang="en-US" dirty="0" err="1">
-                <a:latin typeface="+mj-lt"/>
-              </a:rPr>
-              <a:t>eginda</a:t>
-            </a:r>
-            <a:r>
-              <a:rPr lang="en-US" dirty="0">
-                <a:latin typeface="+mj-lt"/>
-              </a:rPr>
-              <a:t>. </a:t>
-            </a:r>
-            <a:r>
-              <a:rPr lang="en-US" dirty="0">
-                <a:latin typeface="+mj-lt"/>
-                <a:hlinkClick r:id="rId4"/>
-              </a:rPr>
-              <a:t>www.edurobotic.es</a:t>
-            </a:r>
-            <a:r>
-              <a:rPr lang="en-US" dirty="0">
-                <a:latin typeface="+mj-lt"/>
-              </a:rPr>
-              <a:t> (</a:t>
-            </a:r>
-            <a:r>
-              <a:rPr lang="en-US" dirty="0" err="1">
-                <a:latin typeface="+mj-lt"/>
-              </a:rPr>
-              <a:t>Anartz</a:t>
-            </a:r>
-            <a:r>
-              <a:rPr lang="en-US" dirty="0">
-                <a:latin typeface="+mj-lt"/>
-              </a:rPr>
-              <a:t> San Juan </a:t>
-            </a:r>
-            <a:r>
-              <a:rPr lang="en-US" dirty="0" err="1">
-                <a:latin typeface="+mj-lt"/>
-              </a:rPr>
-              <a:t>taldekideak</a:t>
-            </a:r>
-            <a:r>
-              <a:rPr lang="en-US" dirty="0">
-                <a:latin typeface="+mj-lt"/>
-              </a:rPr>
-              <a:t> </a:t>
-            </a:r>
-            <a:r>
-              <a:rPr lang="en-US" dirty="0" err="1">
-                <a:latin typeface="+mj-lt"/>
-              </a:rPr>
-              <a:t>hain</a:t>
-            </a:r>
-            <a:r>
-              <a:rPr lang="en-US" dirty="0">
-                <a:latin typeface="+mj-lt"/>
-              </a:rPr>
-              <a:t> </a:t>
-            </a:r>
-            <a:r>
-              <a:rPr lang="en-US" dirty="0" err="1">
-                <a:latin typeface="+mj-lt"/>
-              </a:rPr>
-              <a:t>zuzen</a:t>
-            </a:r>
-            <a:r>
-              <a:rPr lang="en-US" dirty="0">
-                <a:latin typeface="+mj-lt"/>
-              </a:rPr>
-              <a:t>).</a:t>
-            </a:r>
-          </a:p>
-          <a:p>
             <a:pPr marL="0" indent="0">
               <a:buNone/>
             </a:pPr>
@@ -14252,7 +14150,7 @@
       <p:pic>
         <p:nvPicPr>
           <p:cNvPr id="6" name="Picture 2" descr="Creative Commons License">
-            <a:hlinkClick r:id="rId5"/>
+            <a:hlinkClick r:id="rId4"/>
           </p:cNvPr>
           <p:cNvPicPr>
             <a:picLocks noChangeAspect="1" noChangeArrowheads="1"/>
@@ -14260,7 +14158,7 @@
           <p:nvPr/>
         </p:nvPicPr>
         <p:blipFill>
-          <a:blip r:embed="rId6">
+          <a:blip r:embed="rId5">
             <a:extLst>
               <a:ext uri="{28A0092B-C50C-407E-A947-70E740481C1C}">
                 <a14:useLocalDpi xmlns:a14="http://schemas.microsoft.com/office/drawing/2010/main" val="0"/>
@@ -14283,7 +14181,7 @@
           <a:noFill/>
           <a:extLst>
             <a:ext uri="{909E8E84-426E-40dd-AFC4-6F175D3DCCD1}">
-              <a14:hiddenFill xmlns="" xmlns:a14="http://schemas.microsoft.com/office/drawing/2010/main">
+              <a14:hiddenFill xmlns:a14="http://schemas.microsoft.com/office/drawing/2010/main" xmlns="">
                 <a:solidFill>
                   <a:srgbClr val="FFFFFF"/>
                 </a:solidFill>
@@ -14537,7 +14435,7 @@
                   <a:srgbClr val="4374B7"/>
                 </a:solidFill>
                 <a:latin typeface="Helvetica Neue"/>
-                <a:hlinkClick r:id="rId5"/>
+                <a:hlinkClick r:id="rId4"/>
               </a:rPr>
               <a:t>Creative Commons Attribution-</a:t>
             </a:r>
@@ -14547,7 +14445,7 @@
                   <a:srgbClr val="4374B7"/>
                 </a:solidFill>
                 <a:latin typeface="Helvetica Neue"/>
-                <a:hlinkClick r:id="rId5"/>
+                <a:hlinkClick r:id="rId4"/>
               </a:rPr>
               <a:t>NonCommercial</a:t>
             </a:r>
@@ -14557,7 +14455,7 @@
                   <a:srgbClr val="4374B7"/>
                 </a:solidFill>
                 <a:latin typeface="Helvetica Neue"/>
-                <a:hlinkClick r:id="rId5"/>
+                <a:hlinkClick r:id="rId4"/>
               </a:rPr>
               <a:t>-</a:t>
             </a:r>
@@ -14567,7 +14465,7 @@
                   <a:srgbClr val="4374B7"/>
                 </a:solidFill>
                 <a:latin typeface="Helvetica Neue"/>
-                <a:hlinkClick r:id="rId5"/>
+                <a:hlinkClick r:id="rId4"/>
               </a:rPr>
               <a:t>ShareAlike</a:t>
             </a:r>
@@ -14577,7 +14475,7 @@
                   <a:srgbClr val="4374B7"/>
                 </a:solidFill>
                 <a:latin typeface="Helvetica Neue"/>
-                <a:hlinkClick r:id="rId5"/>
+                <a:hlinkClick r:id="rId4"/>
               </a:rPr>
               <a:t> 4.0 International License</a:t>
             </a:r>
